--- a/Week 3 Clustering/Clustering(1).pptx
+++ b/Week 3 Clustering/Clustering(1).pptx
@@ -681,7 +681,7 @@
               <a:rPr lang="en-US" smtClean="0">
                 <a:latin typeface="Arial"/>
               </a:rPr>
-              <a:t>9/27/2022</a:t>
+              <a:t>1/31/23</a:t>
             </a:fld>
             <a:endParaRPr lang="en-US" dirty="0">
               <a:latin typeface="Arial"/>
@@ -854,7 +854,7 @@
           <a:p>
             <a:fld id="{59FA36F0-6936-4FC0-97A3-A708269A923B}" type="datetimeFigureOut">
               <a:rPr lang="en-SG" smtClean="0"/>
-              <a:t>27/9/2022</a:t>
+              <a:t>31/1/23</a:t>
             </a:fld>
             <a:endParaRPr lang="en-SG"/>
           </a:p>
@@ -1301,7 +1301,7 @@
           <a:p>
             <a:fld id="{9F1CC899-6CEC-9548-B06D-7E1EB6F78CA3}" type="datetimeFigureOut">
               <a:rPr lang="en-US" smtClean="0"/>
-              <a:t>9/27/2022</a:t>
+              <a:t>1/31/23</a:t>
             </a:fld>
             <a:endParaRPr lang="en-US"/>
           </a:p>
@@ -1469,7 +1469,7 @@
           <a:p>
             <a:fld id="{9F1CC899-6CEC-9548-B06D-7E1EB6F78CA3}" type="datetimeFigureOut">
               <a:rPr lang="en-US" smtClean="0"/>
-              <a:t>9/27/2022</a:t>
+              <a:t>1/31/23</a:t>
             </a:fld>
             <a:endParaRPr lang="en-US"/>
           </a:p>
@@ -1714,7 +1714,7 @@
           <a:p>
             <a:fld id="{9F1CC899-6CEC-9548-B06D-7E1EB6F78CA3}" type="datetimeFigureOut">
               <a:rPr lang="en-US" smtClean="0"/>
-              <a:t>9/27/2022</a:t>
+              <a:t>1/31/23</a:t>
             </a:fld>
             <a:endParaRPr lang="en-US"/>
           </a:p>
@@ -1999,7 +1999,7 @@
           <a:p>
             <a:fld id="{9F1CC899-6CEC-9548-B06D-7E1EB6F78CA3}" type="datetimeFigureOut">
               <a:rPr lang="en-US" smtClean="0"/>
-              <a:t>9/27/2022</a:t>
+              <a:t>1/31/23</a:t>
             </a:fld>
             <a:endParaRPr lang="en-US"/>
           </a:p>
@@ -2418,7 +2418,7 @@
           <a:p>
             <a:fld id="{9F1CC899-6CEC-9548-B06D-7E1EB6F78CA3}" type="datetimeFigureOut">
               <a:rPr lang="en-US" smtClean="0"/>
-              <a:t>9/27/2022</a:t>
+              <a:t>1/31/23</a:t>
             </a:fld>
             <a:endParaRPr lang="en-US"/>
           </a:p>
@@ -2535,7 +2535,7 @@
           <a:p>
             <a:fld id="{9F1CC899-6CEC-9548-B06D-7E1EB6F78CA3}" type="datetimeFigureOut">
               <a:rPr lang="en-US" smtClean="0"/>
-              <a:t>9/27/2022</a:t>
+              <a:t>1/31/23</a:t>
             </a:fld>
             <a:endParaRPr lang="en-US"/>
           </a:p>
@@ -2630,7 +2630,7 @@
           <a:p>
             <a:fld id="{9F1CC899-6CEC-9548-B06D-7E1EB6F78CA3}" type="datetimeFigureOut">
               <a:rPr lang="en-US" smtClean="0"/>
-              <a:t>9/27/2022</a:t>
+              <a:t>1/31/23</a:t>
             </a:fld>
             <a:endParaRPr lang="en-US"/>
           </a:p>
@@ -2905,7 +2905,7 @@
           <a:p>
             <a:fld id="{9F1CC899-6CEC-9548-B06D-7E1EB6F78CA3}" type="datetimeFigureOut">
               <a:rPr lang="en-US" smtClean="0"/>
-              <a:t>9/27/2022</a:t>
+              <a:t>1/31/23</a:t>
             </a:fld>
             <a:endParaRPr lang="en-US"/>
           </a:p>
@@ -3157,7 +3157,7 @@
           <a:p>
             <a:fld id="{9F1CC899-6CEC-9548-B06D-7E1EB6F78CA3}" type="datetimeFigureOut">
               <a:rPr lang="en-US" smtClean="0"/>
-              <a:t>9/27/2022</a:t>
+              <a:t>1/31/23</a:t>
             </a:fld>
             <a:endParaRPr lang="en-US"/>
           </a:p>
@@ -3370,7 +3370,7 @@
             <a:fld id="{9F1CC899-6CEC-9548-B06D-7E1EB6F78CA3}" type="datetimeFigureOut">
               <a:rPr lang="en-US" smtClean="0"/>
               <a:pPr/>
-              <a:t>9/27/2022</a:t>
+              <a:t>1/31/23</a:t>
             </a:fld>
             <a:endParaRPr lang="en-US" dirty="0"/>
           </a:p>
@@ -5923,15 +5923,7 @@
             </a:r>
             <a:r>
               <a:rPr lang="en-US" dirty="0"/>
-              <a:t>(</a:t>
-            </a:r>
-            <a:r>
-              <a:rPr lang="en-US" dirty="0" err="1"/>
-              <a:t>X_test</a:t>
-            </a:r>
-            <a:r>
-              <a:rPr lang="en-US" dirty="0"/>
-              <a:t>)</a:t>
+              <a:t>(X)</a:t>
             </a:r>
           </a:p>
           <a:p>
@@ -5996,7 +5988,7 @@
         <p:spPr>
           <a:xfrm>
             <a:off x="4032729" y="2770486"/>
-            <a:ext cx="4845457" cy="1200329"/>
+            <a:ext cx="4845457" cy="1477328"/>
           </a:xfrm>
           <a:prstGeom prst="rect">
             <a:avLst/>
@@ -6010,54 +6002,54 @@
           <a:lstStyle/>
           <a:p>
             <a:r>
-              <a:rPr lang="en-SG" dirty="0"/>
+              <a:rPr lang="en-SG" b="1" dirty="0"/>
               <a:t>from </a:t>
             </a:r>
             <a:r>
-              <a:rPr lang="en-SG" dirty="0" err="1"/>
+              <a:rPr lang="en-SG" b="1" dirty="0" err="1"/>
               <a:t>yellowbrick.cluster</a:t>
             </a:r>
             <a:r>
-              <a:rPr lang="en-SG" dirty="0"/>
+              <a:rPr lang="en-SG" b="1" dirty="0"/>
               <a:t> import </a:t>
             </a:r>
             <a:r>
-              <a:rPr lang="en-SG" dirty="0" err="1"/>
+              <a:rPr lang="en-SG" b="1" dirty="0" err="1"/>
               <a:t>KElbowVisualizer</a:t>
             </a:r>
-            <a:endParaRPr lang="en-SG" dirty="0"/>
-          </a:p>
-          <a:p>
-            <a:r>
-              <a:rPr lang="en-SG" dirty="0"/>
+            <a:endParaRPr lang="en-SG" b="1" dirty="0"/>
+          </a:p>
+          <a:p>
+            <a:r>
+              <a:rPr lang="en-SG" b="1" dirty="0"/>
               <a:t>v = </a:t>
             </a:r>
             <a:r>
-              <a:rPr lang="en-SG" dirty="0" err="1"/>
+              <a:rPr lang="en-SG" b="1" dirty="0" err="1"/>
               <a:t>KElbowVisualizer</a:t>
             </a:r>
             <a:r>
-              <a:rPr lang="en-SG" dirty="0"/>
-              <a:t>(model, k=(2,15))</a:t>
-            </a:r>
-          </a:p>
-          <a:p>
-            <a:r>
-              <a:rPr lang="en-SG" dirty="0" err="1"/>
+              <a:rPr lang="en-SG" b="1" dirty="0"/>
+              <a:t>(model, k=(2,15)) #min is 2, max is 15</a:t>
+            </a:r>
+          </a:p>
+          <a:p>
+            <a:r>
+              <a:rPr lang="en-SG" b="1" dirty="0" err="1"/>
               <a:t>v.fit</a:t>
             </a:r>
             <a:r>
-              <a:rPr lang="en-SG" dirty="0"/>
+              <a:rPr lang="en-SG" b="1" dirty="0"/>
               <a:t>(X)</a:t>
             </a:r>
           </a:p>
           <a:p>
             <a:r>
-              <a:rPr lang="en-SG" dirty="0" err="1"/>
+              <a:rPr lang="en-SG" b="1" dirty="0" err="1"/>
               <a:t>v.show</a:t>
             </a:r>
             <a:r>
-              <a:rPr lang="en-SG" dirty="0"/>
+              <a:rPr lang="en-SG" b="1" dirty="0"/>
               <a:t>() </a:t>
             </a:r>
           </a:p>
@@ -10891,15 +10883,6 @@
 </file>
 
 <file path=customXml/item1.xml><?xml version="1.0" encoding="utf-8"?>
-<?mso-contentType ?>
-<FormTemplates xmlns="http://schemas.microsoft.com/sharepoint/v3/contenttype/forms">
-  <Display>DocumentLibraryForm</Display>
-  <Edit>DocumentLibraryForm</Edit>
-  <New>DocumentLibraryForm</New>
-</FormTemplates>
-</file>
-
-<file path=customXml/item2.xml><?xml version="1.0" encoding="utf-8"?>
 <ct:contentTypeSchema xmlns:ct="http://schemas.microsoft.com/office/2006/metadata/contentType" xmlns:ma="http://schemas.microsoft.com/office/2006/metadata/properties/metaAttributes" ct:_="" ma:_="" ma:contentTypeName="Document" ma:contentTypeID="0x010100E28E816AC679FF4C86C22834E825BD05" ma:contentTypeVersion="1" ma:contentTypeDescription="Create a new document." ma:contentTypeScope="" ma:versionID="066e42d507d75a122d0db91dd470f30a">
   <xsd:schema xmlns:xsd="http://www.w3.org/2001/XMLSchema" xmlns:xs="http://www.w3.org/2001/XMLSchema" xmlns:p="http://schemas.microsoft.com/office/2006/metadata/properties" xmlns:ns1="http://schemas.microsoft.com/sharepoint/v3" targetNamespace="http://schemas.microsoft.com/office/2006/metadata/properties" ma:root="true" ma:fieldsID="48c5b5cd9b8d25ff6dd15848836f4270" ns1:_="">
     <xsd:import namespace="http://schemas.microsoft.com/sharepoint/v3"/>
@@ -11031,6 +11014,15 @@
 </ct:contentTypeSchema>
 </file>
 
+<file path=customXml/item2.xml><?xml version="1.0" encoding="utf-8"?>
+<?mso-contentType ?>
+<FormTemplates xmlns="http://schemas.microsoft.com/sharepoint/v3/contenttype/forms">
+  <Display>DocumentLibraryForm</Display>
+  <Edit>DocumentLibraryForm</Edit>
+  <New>DocumentLibraryForm</New>
+</FormTemplates>
+</file>
+
 <file path=customXml/item3.xml><?xml version="1.0" encoding="utf-8"?>
 <p:properties xmlns:p="http://schemas.microsoft.com/office/2006/metadata/properties" xmlns:xsi="http://www.w3.org/2001/XMLSchema-instance" xmlns:pc="http://schemas.microsoft.com/office/infopath/2007/PartnerControls">
   <documentManagement>
@@ -11041,14 +11033,6 @@
 </file>
 
 <file path=customXml/itemProps1.xml><?xml version="1.0" encoding="utf-8"?>
-<ds:datastoreItem xmlns:ds="http://schemas.openxmlformats.org/officeDocument/2006/customXml" ds:itemID="{9733E57A-4545-40EE-B846-546C23E6052F}">
-  <ds:schemaRefs>
-    <ds:schemaRef ds:uri="http://schemas.microsoft.com/sharepoint/v3/contenttype/forms"/>
-  </ds:schemaRefs>
-</ds:datastoreItem>
-</file>
-
-<file path=customXml/itemProps2.xml><?xml version="1.0" encoding="utf-8"?>
 <ds:datastoreItem xmlns:ds="http://schemas.openxmlformats.org/officeDocument/2006/customXml" ds:itemID="{F942CDD3-2BBD-46F1-929C-F92F3B4EA860}">
   <ds:schemaRefs>
     <ds:schemaRef ds:uri="http://schemas.microsoft.com/office/2006/metadata/contentType"/>
@@ -11062,6 +11046,14 @@
     <ds:schemaRef ds:uri="http://purl.org/dc/elements/1.1/"/>
     <ds:schemaRef ds:uri="http://purl.org/dc/terms/"/>
     <ds:schemaRef ds:uri="http://schemas.microsoft.com/internal/obd"/>
+  </ds:schemaRefs>
+</ds:datastoreItem>
+</file>
+
+<file path=customXml/itemProps2.xml><?xml version="1.0" encoding="utf-8"?>
+<ds:datastoreItem xmlns:ds="http://schemas.openxmlformats.org/officeDocument/2006/customXml" ds:itemID="{9733E57A-4545-40EE-B846-546C23E6052F}">
+  <ds:schemaRefs>
+    <ds:schemaRef ds:uri="http://schemas.microsoft.com/sharepoint/v3/contenttype/forms"/>
   </ds:schemaRefs>
 </ds:datastoreItem>
 </file>
